--- a/docs/Psychopass.pptx
+++ b/docs/Psychopass.pptx
@@ -9,6 +9,7 @@
     <p:sldId id="257" r:id="rId3"/>
     <p:sldId id="258" r:id="rId4"/>
     <p:sldId id="259" r:id="rId5"/>
+    <p:sldId id="260" r:id="rId6"/>
   </p:sldIdLst>
   <p:sldSz cx="12192000" cy="6858000"/>
   <p:notesSz cx="6858000" cy="9144000"/>
@@ -107,6 +108,11 @@
       </a:defRPr>
     </a:lvl9pPr>
   </p:defaultTextStyle>
+  <p:extLst>
+    <p:ext uri="{EFAFB233-063F-42B5-8137-9DF3F51BA10A}">
+      <p15:sldGuideLst xmlns:p15="http://schemas.microsoft.com/office/powerpoint/2012/main"/>
+    </p:ext>
+  </p:extLst>
 </p:presentation>
 </file>
 
@@ -257,7 +263,7 @@
           <a:p>
             <a:fld id="{8A94CA7D-130C-429E-B2B1-13AE087A9EA1}" type="datetimeFigureOut">
               <a:rPr lang="ru-RU" smtClean="0"/>
-              <a:t>27.02.2020</a:t>
+              <a:t>27.03.2020</a:t>
             </a:fld>
             <a:endParaRPr lang="ru-RU"/>
           </a:p>
@@ -455,7 +461,7 @@
           <a:p>
             <a:fld id="{8A94CA7D-130C-429E-B2B1-13AE087A9EA1}" type="datetimeFigureOut">
               <a:rPr lang="ru-RU" smtClean="0"/>
-              <a:t>27.02.2020</a:t>
+              <a:t>27.03.2020</a:t>
             </a:fld>
             <a:endParaRPr lang="ru-RU"/>
           </a:p>
@@ -663,7 +669,7 @@
           <a:p>
             <a:fld id="{8A94CA7D-130C-429E-B2B1-13AE087A9EA1}" type="datetimeFigureOut">
               <a:rPr lang="ru-RU" smtClean="0"/>
-              <a:t>27.02.2020</a:t>
+              <a:t>27.03.2020</a:t>
             </a:fld>
             <a:endParaRPr lang="ru-RU"/>
           </a:p>
@@ -861,7 +867,7 @@
           <a:p>
             <a:fld id="{8A94CA7D-130C-429E-B2B1-13AE087A9EA1}" type="datetimeFigureOut">
               <a:rPr lang="ru-RU" smtClean="0"/>
-              <a:t>27.02.2020</a:t>
+              <a:t>27.03.2020</a:t>
             </a:fld>
             <a:endParaRPr lang="ru-RU"/>
           </a:p>
@@ -1136,7 +1142,7 @@
           <a:p>
             <a:fld id="{8A94CA7D-130C-429E-B2B1-13AE087A9EA1}" type="datetimeFigureOut">
               <a:rPr lang="ru-RU" smtClean="0"/>
-              <a:t>27.02.2020</a:t>
+              <a:t>27.03.2020</a:t>
             </a:fld>
             <a:endParaRPr lang="ru-RU"/>
           </a:p>
@@ -1401,7 +1407,7 @@
           <a:p>
             <a:fld id="{8A94CA7D-130C-429E-B2B1-13AE087A9EA1}" type="datetimeFigureOut">
               <a:rPr lang="ru-RU" smtClean="0"/>
-              <a:t>27.02.2020</a:t>
+              <a:t>27.03.2020</a:t>
             </a:fld>
             <a:endParaRPr lang="ru-RU"/>
           </a:p>
@@ -1813,7 +1819,7 @@
           <a:p>
             <a:fld id="{8A94CA7D-130C-429E-B2B1-13AE087A9EA1}" type="datetimeFigureOut">
               <a:rPr lang="ru-RU" smtClean="0"/>
-              <a:t>27.02.2020</a:t>
+              <a:t>27.03.2020</a:t>
             </a:fld>
             <a:endParaRPr lang="ru-RU"/>
           </a:p>
@@ -1954,7 +1960,7 @@
           <a:p>
             <a:fld id="{8A94CA7D-130C-429E-B2B1-13AE087A9EA1}" type="datetimeFigureOut">
               <a:rPr lang="ru-RU" smtClean="0"/>
-              <a:t>27.02.2020</a:t>
+              <a:t>27.03.2020</a:t>
             </a:fld>
             <a:endParaRPr lang="ru-RU"/>
           </a:p>
@@ -2067,7 +2073,7 @@
           <a:p>
             <a:fld id="{8A94CA7D-130C-429E-B2B1-13AE087A9EA1}" type="datetimeFigureOut">
               <a:rPr lang="ru-RU" smtClean="0"/>
-              <a:t>27.02.2020</a:t>
+              <a:t>27.03.2020</a:t>
             </a:fld>
             <a:endParaRPr lang="ru-RU"/>
           </a:p>
@@ -2378,7 +2384,7 @@
           <a:p>
             <a:fld id="{8A94CA7D-130C-429E-B2B1-13AE087A9EA1}" type="datetimeFigureOut">
               <a:rPr lang="ru-RU" smtClean="0"/>
-              <a:t>27.02.2020</a:t>
+              <a:t>27.03.2020</a:t>
             </a:fld>
             <a:endParaRPr lang="ru-RU"/>
           </a:p>
@@ -2666,7 +2672,7 @@
           <a:p>
             <a:fld id="{8A94CA7D-130C-429E-B2B1-13AE087A9EA1}" type="datetimeFigureOut">
               <a:rPr lang="ru-RU" smtClean="0"/>
-              <a:t>27.02.2020</a:t>
+              <a:t>27.03.2020</a:t>
             </a:fld>
             <a:endParaRPr lang="ru-RU"/>
           </a:p>
@@ -2907,7 +2913,7 @@
           <a:p>
             <a:fld id="{8A94CA7D-130C-429E-B2B1-13AE087A9EA1}" type="datetimeFigureOut">
               <a:rPr lang="ru-RU" smtClean="0"/>
-              <a:t>27.02.2020</a:t>
+              <a:t>27.03.2020</a:t>
             </a:fld>
             <a:endParaRPr lang="ru-RU"/>
           </a:p>
@@ -10606,6 +10612,127 @@
 </p:sld>
 </file>
 
+<file path=ppt/slides/slide5.xml><?xml version="1.0" encoding="utf-8"?>
+<p:sld xmlns:a="http://schemas.openxmlformats.org/drawingml/2006/main" xmlns:r="http://schemas.openxmlformats.org/officeDocument/2006/relationships" xmlns:p="http://schemas.openxmlformats.org/presentationml/2006/main">
+  <p:cSld>
+    <p:spTree>
+      <p:nvGrpSpPr>
+        <p:cNvPr id="1" name=""/>
+        <p:cNvGrpSpPr/>
+        <p:nvPr/>
+      </p:nvGrpSpPr>
+      <p:grpSpPr>
+        <a:xfrm>
+          <a:off x="0" y="0"/>
+          <a:ext cx="0" cy="0"/>
+          <a:chOff x="0" y="0"/>
+          <a:chExt cx="0" cy="0"/>
+        </a:xfrm>
+      </p:grpSpPr>
+      <p:pic>
+        <p:nvPicPr>
+          <p:cNvPr id="6" name="Объект 5">
+            <a:extLst>
+              <a:ext uri="{FF2B5EF4-FFF2-40B4-BE49-F238E27FC236}">
+                <a16:creationId xmlns:a16="http://schemas.microsoft.com/office/drawing/2014/main" id="{39F15FE3-9324-4718-BB0D-958C3E79B177}"/>
+              </a:ext>
+            </a:extLst>
+          </p:cNvPr>
+          <p:cNvPicPr>
+            <a:picLocks noGrp="1" noChangeAspect="1"/>
+          </p:cNvPicPr>
+          <p:nvPr>
+            <p:ph idx="1"/>
+          </p:nvPr>
+        </p:nvPicPr>
+        <p:blipFill>
+          <a:blip r:embed="rId2">
+            <a:extLst>
+              <a:ext uri="{28A0092B-C50C-407E-A947-70E740481C1C}">
+                <a14:useLocalDpi xmlns:a14="http://schemas.microsoft.com/office/drawing/2010/main" val="0"/>
+              </a:ext>
+            </a:extLst>
+          </a:blip>
+          <a:stretch>
+            <a:fillRect/>
+          </a:stretch>
+        </p:blipFill>
+        <p:spPr>
+          <a:xfrm>
+            <a:off x="1917571" y="987332"/>
+            <a:ext cx="8550404" cy="5870668"/>
+          </a:xfrm>
+        </p:spPr>
+      </p:pic>
+      <p:sp>
+        <p:nvSpPr>
+          <p:cNvPr id="4" name="Заголовок 1">
+            <a:extLst>
+              <a:ext uri="{FF2B5EF4-FFF2-40B4-BE49-F238E27FC236}">
+                <a16:creationId xmlns:a16="http://schemas.microsoft.com/office/drawing/2014/main" id="{476156DC-1AEA-4A8C-99C8-BF0A1DE14EA9}"/>
+              </a:ext>
+            </a:extLst>
+          </p:cNvPr>
+          <p:cNvSpPr>
+            <a:spLocks noGrp="1"/>
+          </p:cNvSpPr>
+          <p:nvPr>
+            <p:ph type="title"/>
+          </p:nvPr>
+        </p:nvSpPr>
+        <p:spPr>
+          <a:xfrm>
+            <a:off x="838200" y="365125"/>
+            <a:ext cx="10515600" cy="1325563"/>
+          </a:xfrm>
+        </p:spPr>
+        <p:txBody>
+          <a:bodyPr/>
+          <a:lstStyle/>
+          <a:p>
+            <a:r>
+              <a:rPr lang="en-US" dirty="0" err="1">
+                <a:latin typeface="Gilroy Light" panose="00000400000000000000" pitchFamily="50" charset="-52"/>
+              </a:rPr>
+              <a:t>Civilla</a:t>
+            </a:r>
+            <a:r>
+              <a:rPr lang="en-US" dirty="0">
+                <a:latin typeface="Gilroy Light" panose="00000400000000000000" pitchFamily="50" charset="-52"/>
+              </a:rPr>
+              <a:t> – </a:t>
+            </a:r>
+            <a:r>
+              <a:rPr lang="en-US" dirty="0" err="1">
+                <a:latin typeface="Gilroy Light" panose="00000400000000000000" pitchFamily="50" charset="-52"/>
+              </a:rPr>
+              <a:t>Usecase</a:t>
+            </a:r>
+            <a:r>
+              <a:rPr lang="en-US" dirty="0">
+                <a:latin typeface="Gilroy Light" panose="00000400000000000000" pitchFamily="50" charset="-52"/>
+              </a:rPr>
+              <a:t> diagram</a:t>
+            </a:r>
+            <a:endParaRPr lang="ru-RU" dirty="0">
+              <a:latin typeface="Gilroy Light" panose="00000400000000000000" pitchFamily="50" charset="-52"/>
+            </a:endParaRPr>
+          </a:p>
+        </p:txBody>
+      </p:sp>
+    </p:spTree>
+    <p:extLst>
+      <p:ext uri="{BB962C8B-B14F-4D97-AF65-F5344CB8AC3E}">
+        <p14:creationId xmlns:p14="http://schemas.microsoft.com/office/powerpoint/2010/main" val="2541814907"/>
+      </p:ext>
+    </p:extLst>
+  </p:cSld>
+  <p:clrMapOvr>
+    <a:masterClrMapping/>
+  </p:clrMapOvr>
+</p:sld>
+</file>
+
 <file path=ppt/theme/theme1.xml><?xml version="1.0" encoding="utf-8"?>
 <a:theme xmlns:a="http://schemas.openxmlformats.org/drawingml/2006/main" name="Тема Office">
   <a:themeElements>
